--- a/Unit 1 - Figure Drawing and Illustration/Lesson 1.2.pptx
+++ b/Unit 1 - Figure Drawing and Illustration/Lesson 1.2.pptx
@@ -13,8 +13,6 @@
     <p:sldId id="261" r:id="rId10"/>
     <p:sldId id="262" r:id="rId11"/>
     <p:sldId id="263" r:id="rId12"/>
-    <p:sldId id="264" r:id="rId13"/>
-    <p:sldId id="265" r:id="rId14"/>
   </p:sldIdLst>
   <p:sldSz cx="12192000" cy="6858000"/>
   <p:notesSz cx="6858000" cy="9144000"/>
@@ -113,6 +111,11 @@
       </a:defRPr>
     </a:lvl9pPr>
   </p:defaultTextStyle>
+  <p:extLst>
+    <p:ext uri="{EFAFB233-063F-42B5-8137-9DF3F51BA10A}">
+      <p15:sldGuideLst xmlns:p15="http://schemas.microsoft.com/office/powerpoint/2012/main"/>
+    </p:ext>
+  </p:extLst>
 </p:presentation>
 </file>
 
@@ -245,6 +248,38 @@
       </pc:sldChg>
     </pc:docChg>
   </pc:docChgLst>
+  <pc:docChgLst>
+    <pc:chgData name="Jessica Kipp" userId="9a674628-791e-40a8-b488-ce9d719fd0a5" providerId="ADAL" clId="{7DAB3444-D72E-4BD8-8B14-23C8EA5EB458}"/>
+    <pc:docChg chg="modSld">
+      <pc:chgData name="Jessica Kipp" userId="9a674628-791e-40a8-b488-ce9d719fd0a5" providerId="ADAL" clId="{7DAB3444-D72E-4BD8-8B14-23C8EA5EB458}" dt="2022-04-20T13:52:40.072" v="46" actId="20577"/>
+      <pc:docMkLst>
+        <pc:docMk/>
+      </pc:docMkLst>
+      <pc:sldChg chg="modSp">
+        <pc:chgData name="Jessica Kipp" userId="9a674628-791e-40a8-b488-ce9d719fd0a5" providerId="ADAL" clId="{7DAB3444-D72E-4BD8-8B14-23C8EA5EB458}" dt="2022-04-20T13:52:40.072" v="46" actId="20577"/>
+        <pc:sldMkLst>
+          <pc:docMk/>
+          <pc:sldMk cId="2401101816" sldId="262"/>
+        </pc:sldMkLst>
+        <pc:spChg chg="mod">
+          <ac:chgData name="Jessica Kipp" userId="9a674628-791e-40a8-b488-ce9d719fd0a5" providerId="ADAL" clId="{7DAB3444-D72E-4BD8-8B14-23C8EA5EB458}" dt="2022-04-20T13:50:24.899" v="1" actId="20577"/>
+          <ac:spMkLst>
+            <pc:docMk/>
+            <pc:sldMk cId="2401101816" sldId="262"/>
+            <ac:spMk id="2" creationId="{3877763B-9D80-4294-81A1-CC13965362F2}"/>
+          </ac:spMkLst>
+        </pc:spChg>
+        <pc:spChg chg="mod">
+          <ac:chgData name="Jessica Kipp" userId="9a674628-791e-40a8-b488-ce9d719fd0a5" providerId="ADAL" clId="{7DAB3444-D72E-4BD8-8B14-23C8EA5EB458}" dt="2022-04-20T13:52:40.072" v="46" actId="20577"/>
+          <ac:spMkLst>
+            <pc:docMk/>
+            <pc:sldMk cId="2401101816" sldId="262"/>
+            <ac:spMk id="3" creationId="{01FC79B3-0479-46BF-9A74-89EDD9200414}"/>
+          </ac:spMkLst>
+        </pc:spChg>
+      </pc:sldChg>
+    </pc:docChg>
+  </pc:docChgLst>
 </pc:chgInfo>
 </file>
 
@@ -437,7 +472,7 @@
             <a:fld id="{B61BEF0D-F0BB-DE4B-95CE-6DB70DBA9567}" type="datetimeFigureOut">
               <a:rPr lang="en-US" dirty="0"/>
               <a:pPr/>
-              <a:t>4/19/2022</a:t>
+              <a:t>4/20/2022</a:t>
             </a:fld>
             <a:endParaRPr lang="en-US" dirty="0"/>
           </a:p>
@@ -772,7 +807,7 @@
             <a:fld id="{B61BEF0D-F0BB-DE4B-95CE-6DB70DBA9567}" type="datetimeFigureOut">
               <a:rPr lang="en-US" dirty="0"/>
               <a:pPr/>
-              <a:t>4/19/2022</a:t>
+              <a:t>4/20/2022</a:t>
             </a:fld>
             <a:endParaRPr lang="en-US" dirty="0"/>
           </a:p>
@@ -1170,7 +1205,7 @@
             <a:fld id="{B61BEF0D-F0BB-DE4B-95CE-6DB70DBA9567}" type="datetimeFigureOut">
               <a:rPr lang="en-US" dirty="0"/>
               <a:pPr/>
-              <a:t>4/19/2022</a:t>
+              <a:t>4/20/2022</a:t>
             </a:fld>
             <a:endParaRPr lang="en-US" dirty="0"/>
           </a:p>
@@ -1503,7 +1538,7 @@
             <a:fld id="{B61BEF0D-F0BB-DE4B-95CE-6DB70DBA9567}" type="datetimeFigureOut">
               <a:rPr lang="en-US" dirty="0"/>
               <a:pPr/>
-              <a:t>4/19/2022</a:t>
+              <a:t>4/20/2022</a:t>
             </a:fld>
             <a:endParaRPr lang="en-US" dirty="0"/>
           </a:p>
@@ -1820,7 +1855,7 @@
             <a:fld id="{B61BEF0D-F0BB-DE4B-95CE-6DB70DBA9567}" type="datetimeFigureOut">
               <a:rPr lang="en-US" dirty="0"/>
               <a:pPr/>
-              <a:t>4/19/2022</a:t>
+              <a:t>4/20/2022</a:t>
             </a:fld>
             <a:endParaRPr lang="en-US" dirty="0"/>
           </a:p>
@@ -2213,7 +2248,7 @@
             <a:fld id="{B61BEF0D-F0BB-DE4B-95CE-6DB70DBA9567}" type="datetimeFigureOut">
               <a:rPr lang="en-US" dirty="0"/>
               <a:pPr/>
-              <a:t>4/19/2022</a:t>
+              <a:t>4/20/2022</a:t>
             </a:fld>
             <a:endParaRPr lang="en-US" dirty="0"/>
           </a:p>
@@ -2467,7 +2502,7 @@
             <a:fld id="{B61BEF0D-F0BB-DE4B-95CE-6DB70DBA9567}" type="datetimeFigureOut">
               <a:rPr lang="en-US" dirty="0"/>
               <a:pPr/>
-              <a:t>4/19/2022</a:t>
+              <a:t>4/20/2022</a:t>
             </a:fld>
             <a:endParaRPr lang="en-US" dirty="0"/>
           </a:p>
@@ -2726,7 +2761,7 @@
             <a:fld id="{B61BEF0D-F0BB-DE4B-95CE-6DB70DBA9567}" type="datetimeFigureOut">
               <a:rPr lang="en-US" dirty="0"/>
               <a:pPr/>
-              <a:t>4/19/2022</a:t>
+              <a:t>4/20/2022</a:t>
             </a:fld>
             <a:endParaRPr lang="en-US" dirty="0"/>
           </a:p>
@@ -2985,7 +3020,7 @@
             <a:fld id="{B61BEF0D-F0BB-DE4B-95CE-6DB70DBA9567}" type="datetimeFigureOut">
               <a:rPr lang="en-US" dirty="0"/>
               <a:pPr/>
-              <a:t>4/19/2022</a:t>
+              <a:t>4/20/2022</a:t>
             </a:fld>
             <a:endParaRPr lang="en-US" dirty="0"/>
           </a:p>
@@ -3311,7 +3346,7 @@
             <a:fld id="{B61BEF0D-F0BB-DE4B-95CE-6DB70DBA9567}" type="datetimeFigureOut">
               <a:rPr lang="en-US" dirty="0"/>
               <a:pPr/>
-              <a:t>4/19/2022</a:t>
+              <a:t>4/20/2022</a:t>
             </a:fld>
             <a:endParaRPr lang="en-US" dirty="0"/>
           </a:p>
@@ -3631,7 +3666,7 @@
             <a:fld id="{B61BEF0D-F0BB-DE4B-95CE-6DB70DBA9567}" type="datetimeFigureOut">
               <a:rPr lang="en-US" dirty="0"/>
               <a:pPr/>
-              <a:t>4/19/2022</a:t>
+              <a:t>4/20/2022</a:t>
             </a:fld>
             <a:endParaRPr lang="en-US" dirty="0"/>
           </a:p>
@@ -4085,7 +4120,7 @@
             <a:fld id="{B61BEF0D-F0BB-DE4B-95CE-6DB70DBA9567}" type="datetimeFigureOut">
               <a:rPr lang="en-US" dirty="0"/>
               <a:pPr/>
-              <a:t>4/19/2022</a:t>
+              <a:t>4/20/2022</a:t>
             </a:fld>
             <a:endParaRPr lang="en-US" dirty="0"/>
           </a:p>
@@ -4287,7 +4322,7 @@
             <a:fld id="{B61BEF0D-F0BB-DE4B-95CE-6DB70DBA9567}" type="datetimeFigureOut">
               <a:rPr lang="en-US" dirty="0"/>
               <a:pPr/>
-              <a:t>4/19/2022</a:t>
+              <a:t>4/20/2022</a:t>
             </a:fld>
             <a:endParaRPr lang="en-US" dirty="0"/>
           </a:p>
@@ -4461,7 +4496,7 @@
             <a:fld id="{B61BEF0D-F0BB-DE4B-95CE-6DB70DBA9567}" type="datetimeFigureOut">
               <a:rPr lang="en-US" dirty="0"/>
               <a:pPr/>
-              <a:t>4/19/2022</a:t>
+              <a:t>4/20/2022</a:t>
             </a:fld>
             <a:endParaRPr lang="en-US" dirty="0"/>
           </a:p>
@@ -4791,7 +4826,7 @@
             <a:fld id="{B61BEF0D-F0BB-DE4B-95CE-6DB70DBA9567}" type="datetimeFigureOut">
               <a:rPr lang="en-US" dirty="0"/>
               <a:pPr/>
-              <a:t>4/19/2022</a:t>
+              <a:t>4/20/2022</a:t>
             </a:fld>
             <a:endParaRPr lang="en-US" dirty="0"/>
           </a:p>
@@ -5133,7 +5168,7 @@
             <a:fld id="{B61BEF0D-F0BB-DE4B-95CE-6DB70DBA9567}" type="datetimeFigureOut">
               <a:rPr lang="en-US" dirty="0"/>
               <a:pPr/>
-              <a:t>4/19/2022</a:t>
+              <a:t>4/20/2022</a:t>
             </a:fld>
             <a:endParaRPr lang="en-US" dirty="0"/>
           </a:p>
@@ -7247,7 +7282,7 @@
             <a:fld id="{B61BEF0D-F0BB-DE4B-95CE-6DB70DBA9567}" type="datetimeFigureOut">
               <a:rPr lang="en-US" dirty="0"/>
               <a:pPr/>
-              <a:t>4/19/2022</a:t>
+              <a:t>4/20/2022</a:t>
             </a:fld>
             <a:endParaRPr lang="en-US" dirty="0"/>
           </a:p>
@@ -7830,86 +7865,6 @@
 </p:sld>
 </file>
 
-<file path=ppt/slides/slide10.xml><?xml version="1.0" encoding="utf-8"?>
-<p:sld xmlns:a="http://schemas.openxmlformats.org/drawingml/2006/main" xmlns:r="http://schemas.openxmlformats.org/officeDocument/2006/relationships" xmlns:p="http://schemas.openxmlformats.org/presentationml/2006/main">
-  <p:cSld>
-    <p:spTree>
-      <p:nvGrpSpPr>
-        <p:cNvPr id="1" name=""/>
-        <p:cNvGrpSpPr/>
-        <p:nvPr/>
-      </p:nvGrpSpPr>
-      <p:grpSpPr>
-        <a:xfrm>
-          <a:off x="0" y="0"/>
-          <a:ext cx="0" cy="0"/>
-          <a:chOff x="0" y="0"/>
-          <a:chExt cx="0" cy="0"/>
-        </a:xfrm>
-      </p:grpSpPr>
-      <p:sp>
-        <p:nvSpPr>
-          <p:cNvPr id="2" name="Title 1">
-            <a:extLst>
-              <a:ext uri="{FF2B5EF4-FFF2-40B4-BE49-F238E27FC236}">
-                <a16:creationId xmlns:a16="http://schemas.microsoft.com/office/drawing/2014/main" id="{84AC7057-BC75-4B0F-ACFD-BB5A6E42D89E}"/>
-              </a:ext>
-            </a:extLst>
-          </p:cNvPr>
-          <p:cNvSpPr>
-            <a:spLocks noGrp="1"/>
-          </p:cNvSpPr>
-          <p:nvPr>
-            <p:ph type="title"/>
-          </p:nvPr>
-        </p:nvSpPr>
-        <p:spPr/>
-        <p:txBody>
-          <a:bodyPr/>
-          <a:lstStyle/>
-          <a:p>
-            <a:endParaRPr lang="en-US"/>
-          </a:p>
-        </p:txBody>
-      </p:sp>
-      <p:sp>
-        <p:nvSpPr>
-          <p:cNvPr id="3" name="Content Placeholder 2">
-            <a:extLst>
-              <a:ext uri="{FF2B5EF4-FFF2-40B4-BE49-F238E27FC236}">
-                <a16:creationId xmlns:a16="http://schemas.microsoft.com/office/drawing/2014/main" id="{562CF5CC-1CCD-4BA7-8059-0C7F088AC6A7}"/>
-              </a:ext>
-            </a:extLst>
-          </p:cNvPr>
-          <p:cNvSpPr>
-            <a:spLocks noGrp="1"/>
-          </p:cNvSpPr>
-          <p:nvPr>
-            <p:ph idx="1"/>
-          </p:nvPr>
-        </p:nvSpPr>
-        <p:spPr/>
-        <p:txBody>
-          <a:bodyPr/>
-          <a:lstStyle/>
-          <a:p>
-            <a:endParaRPr lang="en-US"/>
-          </a:p>
-        </p:txBody>
-      </p:sp>
-    </p:spTree>
-    <p:extLst>
-      <p:ext uri="{BB962C8B-B14F-4D97-AF65-F5344CB8AC3E}">
-        <p14:creationId xmlns:p14="http://schemas.microsoft.com/office/powerpoint/2010/main" val="2033387896"/>
-      </p:ext>
-    </p:extLst>
-  </p:cSld>
-  <p:clrMapOvr>
-    <a:masterClrMapping/>
-  </p:clrMapOvr>
-</p:sld>
-</file>
-
 <file path=ppt/slides/slide2.xml><?xml version="1.0" encoding="utf-8"?>
 <p:sld xmlns:a="http://schemas.openxmlformats.org/drawingml/2006/main" xmlns:r="http://schemas.openxmlformats.org/officeDocument/2006/relationships" xmlns:p="http://schemas.openxmlformats.org/presentationml/2006/main">
   <p:cSld>
@@ -8081,12 +8036,27 @@
           <a:lstStyle/>
           <a:p>
             <a:r>
-              <a:rPr lang="en-US" dirty="0"/>
+              <a:rPr lang="en-US" sz="2000" dirty="0"/>
               <a:t>For this step you can either use references to put together a design or create something without if you feel confident getting your thoughts onto paper.</a:t>
             </a:r>
           </a:p>
           <a:p>
-            <a:endParaRPr lang="en-US"/>
+            <a:endParaRPr lang="en-US" sz="2000" dirty="0"/>
+          </a:p>
+          <a:p>
+            <a:r>
+              <a:rPr lang="en-US" sz="2000" dirty="0"/>
+              <a:t>Garment illustration is often just the outline of the garment, and the outline of most details.</a:t>
+            </a:r>
+          </a:p>
+          <a:p>
+            <a:endParaRPr lang="en-US" sz="2000" dirty="0"/>
+          </a:p>
+          <a:p>
+            <a:r>
+              <a:rPr lang="en-US" sz="2000" dirty="0"/>
+              <a:t>However it can also include coloring if there’s no pattern you need.</a:t>
+            </a:r>
           </a:p>
           <a:p>
             <a:endParaRPr lang="en-US" dirty="0"/>
@@ -8144,7 +8114,10 @@
           <a:bodyPr/>
           <a:lstStyle/>
           <a:p>
-            <a:endParaRPr lang="en-US"/>
+            <a:r>
+              <a:rPr lang="en-US" dirty="0"/>
+              <a:t>What is considered a full design?</a:t>
+            </a:r>
           </a:p>
         </p:txBody>
       </p:sp>
@@ -8169,7 +8142,28 @@
           <a:bodyPr/>
           <a:lstStyle/>
           <a:p>
-            <a:endParaRPr lang="en-US"/>
+            <a:r>
+              <a:rPr lang="en-US" dirty="0"/>
+              <a:t>Any garment of clothing. </a:t>
+            </a:r>
+          </a:p>
+          <a:p>
+            <a:endParaRPr lang="en-US" dirty="0"/>
+          </a:p>
+          <a:p>
+            <a:r>
+              <a:rPr lang="en-US" dirty="0"/>
+              <a:t>It can be just a jacket, or just a pair a pants</a:t>
+            </a:r>
+          </a:p>
+          <a:p>
+            <a:endParaRPr lang="en-US" dirty="0"/>
+          </a:p>
+          <a:p>
+            <a:r>
+              <a:rPr lang="en-US" dirty="0"/>
+              <a:t>Or it can be a full head to toe outfit which is mostly what we’ll be practicing in this course.</a:t>
+            </a:r>
           </a:p>
         </p:txBody>
       </p:sp>
@@ -8224,7 +8218,10 @@
           <a:bodyPr/>
           <a:lstStyle/>
           <a:p>
-            <a:endParaRPr lang="en-US"/>
+            <a:r>
+              <a:rPr lang="en-US" dirty="0"/>
+              <a:t>Why are we focusing on full outfits?</a:t>
+            </a:r>
           </a:p>
         </p:txBody>
       </p:sp>
@@ -8249,7 +8246,28 @@
           <a:bodyPr/>
           <a:lstStyle/>
           <a:p>
-            <a:endParaRPr lang="en-US"/>
+            <a:r>
+              <a:rPr lang="en-US" dirty="0"/>
+              <a:t>Focusing on full outfit design will also give you practice with coordinating outfits</a:t>
+            </a:r>
+          </a:p>
+          <a:p>
+            <a:endParaRPr lang="en-US" dirty="0"/>
+          </a:p>
+          <a:p>
+            <a:r>
+              <a:rPr lang="en-US" dirty="0"/>
+              <a:t>As well as coordinating colors, sizes, and styles</a:t>
+            </a:r>
+          </a:p>
+          <a:p>
+            <a:endParaRPr lang="en-US" dirty="0"/>
+          </a:p>
+          <a:p>
+            <a:r>
+              <a:rPr lang="en-US" dirty="0"/>
+              <a:t>These are useful skills to have in the fashion industry</a:t>
+            </a:r>
           </a:p>
         </p:txBody>
       </p:sp>
@@ -8304,7 +8322,10 @@
           <a:bodyPr/>
           <a:lstStyle/>
           <a:p>
-            <a:endParaRPr lang="en-US"/>
+            <a:r>
+              <a:rPr lang="en-US" dirty="0"/>
+              <a:t>Where to start?</a:t>
+            </a:r>
           </a:p>
         </p:txBody>
       </p:sp>
@@ -8329,7 +8350,28 @@
           <a:bodyPr/>
           <a:lstStyle/>
           <a:p>
-            <a:endParaRPr lang="en-US"/>
+            <a:r>
+              <a:rPr lang="en-US" dirty="0"/>
+              <a:t>My best advice is to either start at the waist or the shoulders.</a:t>
+            </a:r>
+          </a:p>
+          <a:p>
+            <a:endParaRPr lang="en-US" dirty="0"/>
+          </a:p>
+          <a:p>
+            <a:r>
+              <a:rPr lang="en-US" dirty="0"/>
+              <a:t>Starting at the waist, you should always draw down the paper and create the bottom piece of the outfit first.</a:t>
+            </a:r>
+          </a:p>
+          <a:p>
+            <a:endParaRPr lang="en-US" dirty="0"/>
+          </a:p>
+          <a:p>
+            <a:r>
+              <a:rPr lang="en-US" dirty="0"/>
+              <a:t>If you start at the shoulders, draw down as well, but instead you’ll be starting with the neckline or sleeves depending on which direction you go.</a:t>
+            </a:r>
           </a:p>
         </p:txBody>
       </p:sp>
@@ -8384,7 +8426,10 @@
           <a:bodyPr/>
           <a:lstStyle/>
           <a:p>
-            <a:endParaRPr lang="en-US"/>
+            <a:r>
+              <a:rPr lang="en-US" dirty="0"/>
+              <a:t>Practice – Assignment 1-2</a:t>
+            </a:r>
           </a:p>
         </p:txBody>
       </p:sp>
@@ -8409,7 +8454,42 @@
           <a:bodyPr/>
           <a:lstStyle/>
           <a:p>
-            <a:endParaRPr lang="en-US"/>
+            <a:r>
+              <a:rPr lang="en-US" dirty="0"/>
+              <a:t>Now take a look at Assignment 1-2</a:t>
+            </a:r>
+          </a:p>
+          <a:p>
+            <a:endParaRPr lang="en-US" dirty="0"/>
+          </a:p>
+          <a:p>
+            <a:r>
+              <a:rPr lang="en-US" dirty="0"/>
+              <a:t>This assignment will have you take a croquis template, or last weeks figure drawings if you’d like, and create 6 outfits.</a:t>
+            </a:r>
+          </a:p>
+          <a:p>
+            <a:endParaRPr lang="en-US" dirty="0"/>
+          </a:p>
+          <a:p>
+            <a:r>
+              <a:rPr lang="en-US" dirty="0"/>
+              <a:t>Get creative and draw whatever you’d like as long as it’s a full outfit.</a:t>
+            </a:r>
+          </a:p>
+          <a:p>
+            <a:endParaRPr lang="en-US" dirty="0"/>
+          </a:p>
+          <a:p>
+            <a:r>
+              <a:rPr lang="en-US" dirty="0"/>
+              <a:t>See Assignment 1-2 paper for </a:t>
+            </a:r>
+            <a:r>
+              <a:rPr lang="en-US"/>
+              <a:t>more details</a:t>
+            </a:r>
+            <a:endParaRPr lang="en-US" dirty="0"/>
           </a:p>
         </p:txBody>
       </p:sp>
@@ -8464,7 +8544,10 @@
           <a:bodyPr/>
           <a:lstStyle/>
           <a:p>
-            <a:endParaRPr lang="en-US"/>
+            <a:r>
+              <a:rPr lang="en-US" dirty="0"/>
+              <a:t>Now keep in mind</a:t>
+            </a:r>
           </a:p>
         </p:txBody>
       </p:sp>
@@ -8489,7 +8572,28 @@
           <a:bodyPr/>
           <a:lstStyle/>
           <a:p>
-            <a:endParaRPr lang="en-US"/>
+            <a:r>
+              <a:rPr lang="en-US" dirty="0"/>
+              <a:t>All the outfits in Assignment 2-2 do not have to go together.</a:t>
+            </a:r>
+          </a:p>
+          <a:p>
+            <a:endParaRPr lang="en-US" dirty="0"/>
+          </a:p>
+          <a:p>
+            <a:r>
+              <a:rPr lang="en-US" dirty="0"/>
+              <a:t>This is not a collection, so there does not need to be a theme or inspiration that ties them all together. </a:t>
+            </a:r>
+          </a:p>
+          <a:p>
+            <a:endParaRPr lang="en-US" dirty="0"/>
+          </a:p>
+          <a:p>
+            <a:r>
+              <a:rPr lang="en-US" dirty="0"/>
+              <a:t>Just enjoy being creative. We’ll get to collection building later on.</a:t>
+            </a:r>
           </a:p>
         </p:txBody>
       </p:sp>
@@ -8497,86 +8601,6 @@
     <p:extLst>
       <p:ext uri="{BB962C8B-B14F-4D97-AF65-F5344CB8AC3E}">
         <p14:creationId xmlns:p14="http://schemas.microsoft.com/office/powerpoint/2010/main" val="2616673409"/>
-      </p:ext>
-    </p:extLst>
-  </p:cSld>
-  <p:clrMapOvr>
-    <a:masterClrMapping/>
-  </p:clrMapOvr>
-</p:sld>
-</file>
-
-<file path=ppt/slides/slide9.xml><?xml version="1.0" encoding="utf-8"?>
-<p:sld xmlns:a="http://schemas.openxmlformats.org/drawingml/2006/main" xmlns:r="http://schemas.openxmlformats.org/officeDocument/2006/relationships" xmlns:p="http://schemas.openxmlformats.org/presentationml/2006/main">
-  <p:cSld>
-    <p:spTree>
-      <p:nvGrpSpPr>
-        <p:cNvPr id="1" name=""/>
-        <p:cNvGrpSpPr/>
-        <p:nvPr/>
-      </p:nvGrpSpPr>
-      <p:grpSpPr>
-        <a:xfrm>
-          <a:off x="0" y="0"/>
-          <a:ext cx="0" cy="0"/>
-          <a:chOff x="0" y="0"/>
-          <a:chExt cx="0" cy="0"/>
-        </a:xfrm>
-      </p:grpSpPr>
-      <p:sp>
-        <p:nvSpPr>
-          <p:cNvPr id="2" name="Title 1">
-            <a:extLst>
-              <a:ext uri="{FF2B5EF4-FFF2-40B4-BE49-F238E27FC236}">
-                <a16:creationId xmlns:a16="http://schemas.microsoft.com/office/drawing/2014/main" id="{52034E4B-E8BA-4025-A7AF-45FA42D9AD1D}"/>
-              </a:ext>
-            </a:extLst>
-          </p:cNvPr>
-          <p:cNvSpPr>
-            <a:spLocks noGrp="1"/>
-          </p:cNvSpPr>
-          <p:nvPr>
-            <p:ph type="title"/>
-          </p:nvPr>
-        </p:nvSpPr>
-        <p:spPr/>
-        <p:txBody>
-          <a:bodyPr/>
-          <a:lstStyle/>
-          <a:p>
-            <a:endParaRPr lang="en-US"/>
-          </a:p>
-        </p:txBody>
-      </p:sp>
-      <p:sp>
-        <p:nvSpPr>
-          <p:cNvPr id="3" name="Content Placeholder 2">
-            <a:extLst>
-              <a:ext uri="{FF2B5EF4-FFF2-40B4-BE49-F238E27FC236}">
-                <a16:creationId xmlns:a16="http://schemas.microsoft.com/office/drawing/2014/main" id="{52B5337E-8FCA-4185-AD91-4F84541E6285}"/>
-              </a:ext>
-            </a:extLst>
-          </p:cNvPr>
-          <p:cNvSpPr>
-            <a:spLocks noGrp="1"/>
-          </p:cNvSpPr>
-          <p:nvPr>
-            <p:ph idx="1"/>
-          </p:nvPr>
-        </p:nvSpPr>
-        <p:spPr/>
-        <p:txBody>
-          <a:bodyPr/>
-          <a:lstStyle/>
-          <a:p>
-            <a:endParaRPr lang="en-US"/>
-          </a:p>
-        </p:txBody>
-      </p:sp>
-    </p:spTree>
-    <p:extLst>
-      <p:ext uri="{BB962C8B-B14F-4D97-AF65-F5344CB8AC3E}">
-        <p14:creationId xmlns:p14="http://schemas.microsoft.com/office/powerpoint/2010/main" val="1658979481"/>
       </p:ext>
     </p:extLst>
   </p:cSld>
@@ -8830,6 +8854,21 @@
 </file>
 
 <file path=customXml/item1.xml><?xml version="1.0" encoding="utf-8"?>
+<p:properties xmlns:p="http://schemas.microsoft.com/office/2006/metadata/properties" xmlns:xsi="http://www.w3.org/2001/XMLSchema-instance" xmlns:pc="http://schemas.microsoft.com/office/infopath/2007/PartnerControls">
+  <documentManagement/>
+</p:properties>
+</file>
+
+<file path=customXml/item2.xml><?xml version="1.0" encoding="utf-8"?>
+<?mso-contentType ?>
+<FormTemplates xmlns="http://schemas.microsoft.com/sharepoint/v3/contenttype/forms">
+  <Display>DocumentLibraryForm</Display>
+  <Edit>DocumentLibraryForm</Edit>
+  <New>DocumentLibraryForm</New>
+</FormTemplates>
+</file>
+
+<file path=customXml/item3.xml><?xml version="1.0" encoding="utf-8"?>
 <ct:contentTypeSchema xmlns:ct="http://schemas.microsoft.com/office/2006/metadata/contentType" xmlns:ma="http://schemas.microsoft.com/office/2006/metadata/properties/metaAttributes" ct:_="" ma:_="" ma:contentTypeName="Document" ma:contentTypeID="0x010100651E00D2AC2DD14EB60A774F4411C2DE" ma:contentTypeVersion="10" ma:contentTypeDescription="Create a new document." ma:contentTypeScope="" ma:versionID="5fa4770c7f3533901a642ebc136dfacc">
   <xsd:schema xmlns:xsd="http://www.w3.org/2001/XMLSchema" xmlns:xs="http://www.w3.org/2001/XMLSchema" xmlns:p="http://schemas.microsoft.com/office/2006/metadata/properties" xmlns:ns3="a226a929-813b-4430-a398-5fab01598312" targetNamespace="http://schemas.microsoft.com/office/2006/metadata/properties" ma:root="true" ma:fieldsID="5ce44c3146c3c9503a47426e7c52d1ce" ns3:_="">
     <xsd:import namespace="a226a929-813b-4430-a398-5fab01598312"/>
@@ -9013,22 +9052,31 @@
 </ct:contentTypeSchema>
 </file>
 
-<file path=customXml/item2.xml><?xml version="1.0" encoding="utf-8"?>
-<?mso-contentType ?>
-<FormTemplates xmlns="http://schemas.microsoft.com/sharepoint/v3/contenttype/forms">
-  <Display>DocumentLibraryForm</Display>
-  <Edit>DocumentLibraryForm</Edit>
-  <New>DocumentLibraryForm</New>
-</FormTemplates>
+<file path=customXml/itemProps1.xml><?xml version="1.0" encoding="utf-8"?>
+<ds:datastoreItem xmlns:ds="http://schemas.openxmlformats.org/officeDocument/2006/customXml" ds:itemID="{72D46DCE-2408-45DF-8E8A-AF5ACAE632ED}">
+  <ds:schemaRefs>
+    <ds:schemaRef ds:uri="http://schemas.microsoft.com/office/infopath/2007/PartnerControls"/>
+    <ds:schemaRef ds:uri="a226a929-813b-4430-a398-5fab01598312"/>
+    <ds:schemaRef ds:uri="http://www.w3.org/XML/1998/namespace"/>
+    <ds:schemaRef ds:uri="http://purl.org/dc/terms/"/>
+    <ds:schemaRef ds:uri="http://purl.org/dc/dcmitype/"/>
+    <ds:schemaRef ds:uri="http://schemas.microsoft.com/office/2006/documentManagement/types"/>
+    <ds:schemaRef ds:uri="http://purl.org/dc/elements/1.1/"/>
+    <ds:schemaRef ds:uri="http://schemas.openxmlformats.org/package/2006/metadata/core-properties"/>
+    <ds:schemaRef ds:uri="http://schemas.microsoft.com/office/2006/metadata/properties"/>
+  </ds:schemaRefs>
+</ds:datastoreItem>
 </file>
 
-<file path=customXml/item3.xml><?xml version="1.0" encoding="utf-8"?>
-<p:properties xmlns:p="http://schemas.microsoft.com/office/2006/metadata/properties" xmlns:xsi="http://www.w3.org/2001/XMLSchema-instance" xmlns:pc="http://schemas.microsoft.com/office/infopath/2007/PartnerControls">
-  <documentManagement/>
-</p:properties>
+<file path=customXml/itemProps2.xml><?xml version="1.0" encoding="utf-8"?>
+<ds:datastoreItem xmlns:ds="http://schemas.openxmlformats.org/officeDocument/2006/customXml" ds:itemID="{A9EBD9ED-9B60-4E7F-B656-514927BC0976}">
+  <ds:schemaRefs>
+    <ds:schemaRef ds:uri="http://schemas.microsoft.com/sharepoint/v3/contenttype/forms"/>
+  </ds:schemaRefs>
+</ds:datastoreItem>
 </file>
 
-<file path=customXml/itemProps1.xml><?xml version="1.0" encoding="utf-8"?>
+<file path=customXml/itemProps3.xml><?xml version="1.0" encoding="utf-8"?>
 <ds:datastoreItem xmlns:ds="http://schemas.openxmlformats.org/officeDocument/2006/customXml" ds:itemID="{9A65A4DD-3E20-42F0-9A39-C27024A2921A}">
   <ds:schemaRefs>
     <ds:schemaRef ds:uri="http://schemas.microsoft.com/office/2006/metadata/contentType"/>
@@ -9044,28 +9092,4 @@
     <ds:schemaRef ds:uri="http://schemas.microsoft.com/internal/obd"/>
   </ds:schemaRefs>
 </ds:datastoreItem>
-</file>
-
-<file path=customXml/itemProps2.xml><?xml version="1.0" encoding="utf-8"?>
-<ds:datastoreItem xmlns:ds="http://schemas.openxmlformats.org/officeDocument/2006/customXml" ds:itemID="{A9EBD9ED-9B60-4E7F-B656-514927BC0976}">
-  <ds:schemaRefs>
-    <ds:schemaRef ds:uri="http://schemas.microsoft.com/sharepoint/v3/contenttype/forms"/>
-  </ds:schemaRefs>
-</ds:datastoreItem>
-</file>
-
-<file path=customXml/itemProps3.xml><?xml version="1.0" encoding="utf-8"?>
-<ds:datastoreItem xmlns:ds="http://schemas.openxmlformats.org/officeDocument/2006/customXml" ds:itemID="{72D46DCE-2408-45DF-8E8A-AF5ACAE632ED}">
-  <ds:schemaRefs>
-    <ds:schemaRef ds:uri="a226a929-813b-4430-a398-5fab01598312"/>
-    <ds:schemaRef ds:uri="http://schemas.microsoft.com/office/2006/metadata/properties"/>
-    <ds:schemaRef ds:uri="http://purl.org/dc/dcmitype/"/>
-    <ds:schemaRef ds:uri="http://schemas.microsoft.com/office/2006/documentManagement/types"/>
-    <ds:schemaRef ds:uri="http://purl.org/dc/elements/1.1/"/>
-    <ds:schemaRef ds:uri="http://purl.org/dc/terms/"/>
-    <ds:schemaRef ds:uri="http://schemas.openxmlformats.org/package/2006/metadata/core-properties"/>
-    <ds:schemaRef ds:uri="http://schemas.microsoft.com/office/infopath/2007/PartnerControls"/>
-    <ds:schemaRef ds:uri="http://www.w3.org/XML/1998/namespace"/>
-  </ds:schemaRefs>
-</ds:datastoreItem>
 </file>
--- a/Unit 1 - Figure Drawing and Illustration/Lesson 1.2.pptx
+++ b/Unit 1 - Figure Drawing and Illustration/Lesson 1.2.pptx
@@ -11,8 +11,9 @@
     <p:sldId id="259" r:id="rId8"/>
     <p:sldId id="260" r:id="rId9"/>
     <p:sldId id="261" r:id="rId10"/>
-    <p:sldId id="262" r:id="rId11"/>
-    <p:sldId id="263" r:id="rId12"/>
+    <p:sldId id="264" r:id="rId11"/>
+    <p:sldId id="262" r:id="rId12"/>
+    <p:sldId id="263" r:id="rId13"/>
   </p:sldIdLst>
   <p:sldSz cx="12192000" cy="6858000"/>
   <p:notesSz cx="6858000" cy="9144000"/>
@@ -250,8 +251,8 @@
   </pc:docChgLst>
   <pc:docChgLst>
     <pc:chgData name="Jessica Kipp" userId="9a674628-791e-40a8-b488-ce9d719fd0a5" providerId="ADAL" clId="{7DAB3444-D72E-4BD8-8B14-23C8EA5EB458}"/>
-    <pc:docChg chg="modSld">
-      <pc:chgData name="Jessica Kipp" userId="9a674628-791e-40a8-b488-ce9d719fd0a5" providerId="ADAL" clId="{7DAB3444-D72E-4BD8-8B14-23C8EA5EB458}" dt="2022-04-20T13:52:40.072" v="46" actId="20577"/>
+    <pc:docChg chg="addSld delSld modSld">
+      <pc:chgData name="Jessica Kipp" userId="9a674628-791e-40a8-b488-ce9d719fd0a5" providerId="ADAL" clId="{7DAB3444-D72E-4BD8-8B14-23C8EA5EB458}" dt="2022-04-20T14:57:17.101" v="62" actId="20577"/>
       <pc:docMkLst>
         <pc:docMk/>
       </pc:docMkLst>
@@ -275,6 +276,36 @@
             <pc:docMk/>
             <pc:sldMk cId="2401101816" sldId="262"/>
             <ac:spMk id="3" creationId="{01FC79B3-0479-46BF-9A74-89EDD9200414}"/>
+          </ac:spMkLst>
+        </pc:spChg>
+      </pc:sldChg>
+      <pc:sldChg chg="add del">
+        <pc:chgData name="Jessica Kipp" userId="9a674628-791e-40a8-b488-ce9d719fd0a5" providerId="ADAL" clId="{7DAB3444-D72E-4BD8-8B14-23C8EA5EB458}" dt="2022-04-20T14:57:02.445" v="48"/>
+        <pc:sldMkLst>
+          <pc:docMk/>
+          <pc:sldMk cId="1783413237" sldId="264"/>
+        </pc:sldMkLst>
+      </pc:sldChg>
+      <pc:sldChg chg="modSp add">
+        <pc:chgData name="Jessica Kipp" userId="9a674628-791e-40a8-b488-ce9d719fd0a5" providerId="ADAL" clId="{7DAB3444-D72E-4BD8-8B14-23C8EA5EB458}" dt="2022-04-20T14:57:17.101" v="62" actId="20577"/>
+        <pc:sldMkLst>
+          <pc:docMk/>
+          <pc:sldMk cId="3146529670" sldId="264"/>
+        </pc:sldMkLst>
+        <pc:spChg chg="mod">
+          <ac:chgData name="Jessica Kipp" userId="9a674628-791e-40a8-b488-ce9d719fd0a5" providerId="ADAL" clId="{7DAB3444-D72E-4BD8-8B14-23C8EA5EB458}" dt="2022-04-20T14:57:12.391" v="60" actId="20577"/>
+          <ac:spMkLst>
+            <pc:docMk/>
+            <pc:sldMk cId="3146529670" sldId="264"/>
+            <ac:spMk id="2" creationId="{7056BDE4-36CF-42DA-AC56-6C946828C7E3}"/>
+          </ac:spMkLst>
+        </pc:spChg>
+        <pc:spChg chg="mod">
+          <ac:chgData name="Jessica Kipp" userId="9a674628-791e-40a8-b488-ce9d719fd0a5" providerId="ADAL" clId="{7DAB3444-D72E-4BD8-8B14-23C8EA5EB458}" dt="2022-04-20T14:57:17.101" v="62" actId="20577"/>
+          <ac:spMkLst>
+            <pc:docMk/>
+            <pc:sldMk cId="3146529670" sldId="264"/>
+            <ac:spMk id="3" creationId="{1EADAB9C-0D05-4601-BD90-B680FFDF7F8A}"/>
           </ac:spMkLst>
         </pc:spChg>
       </pc:sldChg>
@@ -8410,6 +8441,98 @@
           <p:cNvPr id="2" name="Title 1">
             <a:extLst>
               <a:ext uri="{FF2B5EF4-FFF2-40B4-BE49-F238E27FC236}">
+                <a16:creationId xmlns:a16="http://schemas.microsoft.com/office/drawing/2014/main" id="{7056BDE4-36CF-42DA-AC56-6C946828C7E3}"/>
+              </a:ext>
+            </a:extLst>
+          </p:cNvPr>
+          <p:cNvSpPr>
+            <a:spLocks noGrp="1"/>
+          </p:cNvSpPr>
+          <p:nvPr>
+            <p:ph type="title"/>
+          </p:nvPr>
+        </p:nvSpPr>
+        <p:spPr/>
+        <p:txBody>
+          <a:bodyPr/>
+          <a:lstStyle/>
+          <a:p>
+            <a:r>
+              <a:rPr lang="en-US" dirty="0"/>
+              <a:t>Video Time!</a:t>
+            </a:r>
+          </a:p>
+        </p:txBody>
+      </p:sp>
+      <p:sp>
+        <p:nvSpPr>
+          <p:cNvPr id="3" name="Content Placeholder 2">
+            <a:extLst>
+              <a:ext uri="{FF2B5EF4-FFF2-40B4-BE49-F238E27FC236}">
+                <a16:creationId xmlns:a16="http://schemas.microsoft.com/office/drawing/2014/main" id="{1EADAB9C-0D05-4601-BD90-B680FFDF7F8A}"/>
+              </a:ext>
+            </a:extLst>
+          </p:cNvPr>
+          <p:cNvSpPr>
+            <a:spLocks noGrp="1"/>
+          </p:cNvSpPr>
+          <p:nvPr>
+            <p:ph idx="1"/>
+          </p:nvPr>
+        </p:nvSpPr>
+        <p:spPr/>
+        <p:txBody>
+          <a:bodyPr/>
+          <a:lstStyle/>
+          <a:p>
+            <a:r>
+              <a:rPr lang="en-US" dirty="0">
+                <a:hlinkClick r:id="rId2"/>
+              </a:rPr>
+              <a:t>https://www.youtube.com/watch?v=u05YFFh6044</a:t>
+            </a:r>
+            <a:endParaRPr lang="en-US" dirty="0"/>
+          </a:p>
+          <a:p>
+            <a:endParaRPr lang="en-US" dirty="0"/>
+          </a:p>
+        </p:txBody>
+      </p:sp>
+    </p:spTree>
+    <p:extLst>
+      <p:ext uri="{BB962C8B-B14F-4D97-AF65-F5344CB8AC3E}">
+        <p14:creationId xmlns:p14="http://schemas.microsoft.com/office/powerpoint/2010/main" val="3146529670"/>
+      </p:ext>
+    </p:extLst>
+  </p:cSld>
+  <p:clrMapOvr>
+    <a:masterClrMapping/>
+  </p:clrMapOvr>
+</p:sld>
+</file>
+
+<file path=ppt/slides/slide8.xml><?xml version="1.0" encoding="utf-8"?>
+<p:sld xmlns:a="http://schemas.openxmlformats.org/drawingml/2006/main" xmlns:r="http://schemas.openxmlformats.org/officeDocument/2006/relationships" xmlns:p="http://schemas.openxmlformats.org/presentationml/2006/main">
+  <p:cSld>
+    <p:spTree>
+      <p:nvGrpSpPr>
+        <p:cNvPr id="1" name=""/>
+        <p:cNvGrpSpPr/>
+        <p:nvPr/>
+      </p:nvGrpSpPr>
+      <p:grpSpPr>
+        <a:xfrm>
+          <a:off x="0" y="0"/>
+          <a:ext cx="0" cy="0"/>
+          <a:chOff x="0" y="0"/>
+          <a:chExt cx="0" cy="0"/>
+        </a:xfrm>
+      </p:grpSpPr>
+      <p:sp>
+        <p:nvSpPr>
+          <p:cNvPr id="2" name="Title 1">
+            <a:extLst>
+              <a:ext uri="{FF2B5EF4-FFF2-40B4-BE49-F238E27FC236}">
                 <a16:creationId xmlns:a16="http://schemas.microsoft.com/office/drawing/2014/main" id="{3877763B-9D80-4294-81A1-CC13965362F2}"/>
               </a:ext>
             </a:extLst>
@@ -8506,7 +8629,7 @@
 </p:sld>
 </file>
 
-<file path=ppt/slides/slide8.xml><?xml version="1.0" encoding="utf-8"?>
+<file path=ppt/slides/slide9.xml><?xml version="1.0" encoding="utf-8"?>
 <p:sld xmlns:a="http://schemas.openxmlformats.org/drawingml/2006/main" xmlns:r="http://schemas.openxmlformats.org/officeDocument/2006/relationships" xmlns:p="http://schemas.openxmlformats.org/presentationml/2006/main">
   <p:cSld>
     <p:spTree>
@@ -8854,21 +8977,6 @@
 </file>
 
 <file path=customXml/item1.xml><?xml version="1.0" encoding="utf-8"?>
-<p:properties xmlns:p="http://schemas.microsoft.com/office/2006/metadata/properties" xmlns:xsi="http://www.w3.org/2001/XMLSchema-instance" xmlns:pc="http://schemas.microsoft.com/office/infopath/2007/PartnerControls">
-  <documentManagement/>
-</p:properties>
-</file>
-
-<file path=customXml/item2.xml><?xml version="1.0" encoding="utf-8"?>
-<?mso-contentType ?>
-<FormTemplates xmlns="http://schemas.microsoft.com/sharepoint/v3/contenttype/forms">
-  <Display>DocumentLibraryForm</Display>
-  <Edit>DocumentLibraryForm</Edit>
-  <New>DocumentLibraryForm</New>
-</FormTemplates>
-</file>
-
-<file path=customXml/item3.xml><?xml version="1.0" encoding="utf-8"?>
 <ct:contentTypeSchema xmlns:ct="http://schemas.microsoft.com/office/2006/metadata/contentType" xmlns:ma="http://schemas.microsoft.com/office/2006/metadata/properties/metaAttributes" ct:_="" ma:_="" ma:contentTypeName="Document" ma:contentTypeID="0x010100651E00D2AC2DD14EB60A774F4411C2DE" ma:contentTypeVersion="10" ma:contentTypeDescription="Create a new document." ma:contentTypeScope="" ma:versionID="5fa4770c7f3533901a642ebc136dfacc">
   <xsd:schema xmlns:xsd="http://www.w3.org/2001/XMLSchema" xmlns:xs="http://www.w3.org/2001/XMLSchema" xmlns:p="http://schemas.microsoft.com/office/2006/metadata/properties" xmlns:ns3="a226a929-813b-4430-a398-5fab01598312" targetNamespace="http://schemas.microsoft.com/office/2006/metadata/properties" ma:root="true" ma:fieldsID="5ce44c3146c3c9503a47426e7c52d1ce" ns3:_="">
     <xsd:import namespace="a226a929-813b-4430-a398-5fab01598312"/>
@@ -9052,31 +9160,22 @@
 </ct:contentTypeSchema>
 </file>
 
-<file path=customXml/itemProps1.xml><?xml version="1.0" encoding="utf-8"?>
-<ds:datastoreItem xmlns:ds="http://schemas.openxmlformats.org/officeDocument/2006/customXml" ds:itemID="{72D46DCE-2408-45DF-8E8A-AF5ACAE632ED}">
-  <ds:schemaRefs>
-    <ds:schemaRef ds:uri="http://schemas.microsoft.com/office/infopath/2007/PartnerControls"/>
-    <ds:schemaRef ds:uri="a226a929-813b-4430-a398-5fab01598312"/>
-    <ds:schemaRef ds:uri="http://www.w3.org/XML/1998/namespace"/>
-    <ds:schemaRef ds:uri="http://purl.org/dc/terms/"/>
-    <ds:schemaRef ds:uri="http://purl.org/dc/dcmitype/"/>
-    <ds:schemaRef ds:uri="http://schemas.microsoft.com/office/2006/documentManagement/types"/>
-    <ds:schemaRef ds:uri="http://purl.org/dc/elements/1.1/"/>
-    <ds:schemaRef ds:uri="http://schemas.openxmlformats.org/package/2006/metadata/core-properties"/>
-    <ds:schemaRef ds:uri="http://schemas.microsoft.com/office/2006/metadata/properties"/>
-  </ds:schemaRefs>
-</ds:datastoreItem>
+<file path=customXml/item2.xml><?xml version="1.0" encoding="utf-8"?>
+<?mso-contentType ?>
+<FormTemplates xmlns="http://schemas.microsoft.com/sharepoint/v3/contenttype/forms">
+  <Display>DocumentLibraryForm</Display>
+  <Edit>DocumentLibraryForm</Edit>
+  <New>DocumentLibraryForm</New>
+</FormTemplates>
 </file>
 
-<file path=customXml/itemProps2.xml><?xml version="1.0" encoding="utf-8"?>
-<ds:datastoreItem xmlns:ds="http://schemas.openxmlformats.org/officeDocument/2006/customXml" ds:itemID="{A9EBD9ED-9B60-4E7F-B656-514927BC0976}">
-  <ds:schemaRefs>
-    <ds:schemaRef ds:uri="http://schemas.microsoft.com/sharepoint/v3/contenttype/forms"/>
-  </ds:schemaRefs>
-</ds:datastoreItem>
+<file path=customXml/item3.xml><?xml version="1.0" encoding="utf-8"?>
+<p:properties xmlns:p="http://schemas.microsoft.com/office/2006/metadata/properties" xmlns:xsi="http://www.w3.org/2001/XMLSchema-instance" xmlns:pc="http://schemas.microsoft.com/office/infopath/2007/PartnerControls">
+  <documentManagement/>
+</p:properties>
 </file>
 
-<file path=customXml/itemProps3.xml><?xml version="1.0" encoding="utf-8"?>
+<file path=customXml/itemProps1.xml><?xml version="1.0" encoding="utf-8"?>
 <ds:datastoreItem xmlns:ds="http://schemas.openxmlformats.org/officeDocument/2006/customXml" ds:itemID="{9A65A4DD-3E20-42F0-9A39-C27024A2921A}">
   <ds:schemaRefs>
     <ds:schemaRef ds:uri="http://schemas.microsoft.com/office/2006/metadata/contentType"/>
@@ -9092,4 +9191,28 @@
     <ds:schemaRef ds:uri="http://schemas.microsoft.com/internal/obd"/>
   </ds:schemaRefs>
 </ds:datastoreItem>
+</file>
+
+<file path=customXml/itemProps2.xml><?xml version="1.0" encoding="utf-8"?>
+<ds:datastoreItem xmlns:ds="http://schemas.openxmlformats.org/officeDocument/2006/customXml" ds:itemID="{A9EBD9ED-9B60-4E7F-B656-514927BC0976}">
+  <ds:schemaRefs>
+    <ds:schemaRef ds:uri="http://schemas.microsoft.com/sharepoint/v3/contenttype/forms"/>
+  </ds:schemaRefs>
+</ds:datastoreItem>
+</file>
+
+<file path=customXml/itemProps3.xml><?xml version="1.0" encoding="utf-8"?>
+<ds:datastoreItem xmlns:ds="http://schemas.openxmlformats.org/officeDocument/2006/customXml" ds:itemID="{72D46DCE-2408-45DF-8E8A-AF5ACAE632ED}">
+  <ds:schemaRefs>
+    <ds:schemaRef ds:uri="http://purl.org/dc/elements/1.1/"/>
+    <ds:schemaRef ds:uri="http://schemas.microsoft.com/office/2006/metadata/properties"/>
+    <ds:schemaRef ds:uri="http://schemas.openxmlformats.org/package/2006/metadata/core-properties"/>
+    <ds:schemaRef ds:uri="http://schemas.microsoft.com/office/2006/documentManagement/types"/>
+    <ds:schemaRef ds:uri="http://www.w3.org/XML/1998/namespace"/>
+    <ds:schemaRef ds:uri="http://purl.org/dc/terms/"/>
+    <ds:schemaRef ds:uri="a226a929-813b-4430-a398-5fab01598312"/>
+    <ds:schemaRef ds:uri="http://purl.org/dc/dcmitype/"/>
+    <ds:schemaRef ds:uri="http://schemas.microsoft.com/office/infopath/2007/PartnerControls"/>
+  </ds:schemaRefs>
+</ds:datastoreItem>
 </file>
--- a/Unit 1 - Figure Drawing and Illustration/Lesson 1.2.pptx
+++ b/Unit 1 - Figure Drawing and Illustration/Lesson 1.2.pptx
@@ -251,13 +251,13 @@
   </pc:docChgLst>
   <pc:docChgLst>
     <pc:chgData name="Jessica Kipp" userId="9a674628-791e-40a8-b488-ce9d719fd0a5" providerId="ADAL" clId="{7DAB3444-D72E-4BD8-8B14-23C8EA5EB458}"/>
-    <pc:docChg chg="addSld delSld modSld">
-      <pc:chgData name="Jessica Kipp" userId="9a674628-791e-40a8-b488-ce9d719fd0a5" providerId="ADAL" clId="{7DAB3444-D72E-4BD8-8B14-23C8EA5EB458}" dt="2022-04-20T14:57:17.101" v="62" actId="20577"/>
+    <pc:docChg chg="custSel addSld delSld modSld">
+      <pc:chgData name="Jessica Kipp" userId="9a674628-791e-40a8-b488-ce9d719fd0a5" providerId="ADAL" clId="{7DAB3444-D72E-4BD8-8B14-23C8EA5EB458}" dt="2022-04-20T15:01:37.852" v="82" actId="20577"/>
       <pc:docMkLst>
         <pc:docMk/>
       </pc:docMkLst>
       <pc:sldChg chg="modSp">
-        <pc:chgData name="Jessica Kipp" userId="9a674628-791e-40a8-b488-ce9d719fd0a5" providerId="ADAL" clId="{7DAB3444-D72E-4BD8-8B14-23C8EA5EB458}" dt="2022-04-20T13:52:40.072" v="46" actId="20577"/>
+        <pc:chgData name="Jessica Kipp" userId="9a674628-791e-40a8-b488-ce9d719fd0a5" providerId="ADAL" clId="{7DAB3444-D72E-4BD8-8B14-23C8EA5EB458}" dt="2022-04-20T15:01:37.852" v="82" actId="20577"/>
         <pc:sldMkLst>
           <pc:docMk/>
           <pc:sldMk cId="2401101816" sldId="262"/>
@@ -271,7 +271,7 @@
           </ac:spMkLst>
         </pc:spChg>
         <pc:spChg chg="mod">
-          <ac:chgData name="Jessica Kipp" userId="9a674628-791e-40a8-b488-ce9d719fd0a5" providerId="ADAL" clId="{7DAB3444-D72E-4BD8-8B14-23C8EA5EB458}" dt="2022-04-20T13:52:40.072" v="46" actId="20577"/>
+          <ac:chgData name="Jessica Kipp" userId="9a674628-791e-40a8-b488-ce9d719fd0a5" providerId="ADAL" clId="{7DAB3444-D72E-4BD8-8B14-23C8EA5EB458}" dt="2022-04-20T15:01:37.852" v="82" actId="20577"/>
           <ac:spMkLst>
             <pc:docMk/>
             <pc:sldMk cId="2401101816" sldId="262"/>
@@ -8588,7 +8588,7 @@
           <a:p>
             <a:r>
               <a:rPr lang="en-US" dirty="0"/>
-              <a:t>This assignment will have you take a croquis template, or last weeks figure drawings if you’d like, and create 6 outfits.</a:t>
+              <a:t>This assignment will have you take a croquis template, or last lesson’s figure drawings if you’d like, and create 6 outfits.</a:t>
             </a:r>
           </a:p>
           <a:p>
@@ -8606,13 +8606,8 @@
           <a:p>
             <a:r>
               <a:rPr lang="en-US" dirty="0"/>
-              <a:t>See Assignment 1-2 paper for </a:t>
-            </a:r>
-            <a:r>
-              <a:rPr lang="en-US"/>
-              <a:t>more details</a:t>
-            </a:r>
-            <a:endParaRPr lang="en-US" dirty="0"/>
+              <a:t>See Assignment 1-2 paper for more details</a:t>
+            </a:r>
           </a:p>
         </p:txBody>
       </p:sp>
@@ -9161,18 +9156,18 @@
 </file>
 
 <file path=customXml/item2.xml><?xml version="1.0" encoding="utf-8"?>
+<p:properties xmlns:p="http://schemas.microsoft.com/office/2006/metadata/properties" xmlns:xsi="http://www.w3.org/2001/XMLSchema-instance" xmlns:pc="http://schemas.microsoft.com/office/infopath/2007/PartnerControls">
+  <documentManagement/>
+</p:properties>
+</file>
+
+<file path=customXml/item3.xml><?xml version="1.0" encoding="utf-8"?>
 <?mso-contentType ?>
 <FormTemplates xmlns="http://schemas.microsoft.com/sharepoint/v3/contenttype/forms">
   <Display>DocumentLibraryForm</Display>
   <Edit>DocumentLibraryForm</Edit>
   <New>DocumentLibraryForm</New>
 </FormTemplates>
-</file>
-
-<file path=customXml/item3.xml><?xml version="1.0" encoding="utf-8"?>
-<p:properties xmlns:p="http://schemas.microsoft.com/office/2006/metadata/properties" xmlns:xsi="http://www.w3.org/2001/XMLSchema-instance" xmlns:pc="http://schemas.microsoft.com/office/infopath/2007/PartnerControls">
-  <documentManagement/>
-</p:properties>
 </file>
 
 <file path=customXml/itemProps1.xml><?xml version="1.0" encoding="utf-8"?>
@@ -9194,25 +9189,25 @@
 </file>
 
 <file path=customXml/itemProps2.xml><?xml version="1.0" encoding="utf-8"?>
+<ds:datastoreItem xmlns:ds="http://schemas.openxmlformats.org/officeDocument/2006/customXml" ds:itemID="{72D46DCE-2408-45DF-8E8A-AF5ACAE632ED}">
+  <ds:schemaRefs>
+    <ds:schemaRef ds:uri="http://schemas.openxmlformats.org/package/2006/metadata/core-properties"/>
+    <ds:schemaRef ds:uri="http://purl.org/dc/terms/"/>
+    <ds:schemaRef ds:uri="http://purl.org/dc/dcmitype/"/>
+    <ds:schemaRef ds:uri="http://schemas.microsoft.com/office/infopath/2007/PartnerControls"/>
+    <ds:schemaRef ds:uri="http://schemas.microsoft.com/office/2006/documentManagement/types"/>
+    <ds:schemaRef ds:uri="http://purl.org/dc/elements/1.1/"/>
+    <ds:schemaRef ds:uri="a226a929-813b-4430-a398-5fab01598312"/>
+    <ds:schemaRef ds:uri="http://schemas.microsoft.com/office/2006/metadata/properties"/>
+    <ds:schemaRef ds:uri="http://www.w3.org/XML/1998/namespace"/>
+  </ds:schemaRefs>
+</ds:datastoreItem>
+</file>
+
+<file path=customXml/itemProps3.xml><?xml version="1.0" encoding="utf-8"?>
 <ds:datastoreItem xmlns:ds="http://schemas.openxmlformats.org/officeDocument/2006/customXml" ds:itemID="{A9EBD9ED-9B60-4E7F-B656-514927BC0976}">
   <ds:schemaRefs>
     <ds:schemaRef ds:uri="http://schemas.microsoft.com/sharepoint/v3/contenttype/forms"/>
   </ds:schemaRefs>
 </ds:datastoreItem>
-</file>
-
-<file path=customXml/itemProps3.xml><?xml version="1.0" encoding="utf-8"?>
-<ds:datastoreItem xmlns:ds="http://schemas.openxmlformats.org/officeDocument/2006/customXml" ds:itemID="{72D46DCE-2408-45DF-8E8A-AF5ACAE632ED}">
-  <ds:schemaRefs>
-    <ds:schemaRef ds:uri="http://purl.org/dc/elements/1.1/"/>
-    <ds:schemaRef ds:uri="http://schemas.microsoft.com/office/2006/metadata/properties"/>
-    <ds:schemaRef ds:uri="http://schemas.openxmlformats.org/package/2006/metadata/core-properties"/>
-    <ds:schemaRef ds:uri="http://schemas.microsoft.com/office/2006/documentManagement/types"/>
-    <ds:schemaRef ds:uri="http://www.w3.org/XML/1998/namespace"/>
-    <ds:schemaRef ds:uri="http://purl.org/dc/terms/"/>
-    <ds:schemaRef ds:uri="a226a929-813b-4430-a398-5fab01598312"/>
-    <ds:schemaRef ds:uri="http://purl.org/dc/dcmitype/"/>
-    <ds:schemaRef ds:uri="http://schemas.microsoft.com/office/infopath/2007/PartnerControls"/>
-  </ds:schemaRefs>
-</ds:datastoreItem>
 </file>